--- a/docs/diagrams/SortedListCommand7ListStateDiagram.pptx
+++ b/docs/diagrams/SortedListCommand7ListStateDiagram.pptx
@@ -261,7 +261,7 @@
           <a:p>
             <a:fld id="{03EC4E3E-8101-482F-A883-8B55DAFF7C07}" type="datetimeFigureOut">
               <a:rPr lang="en-SG" smtClean="0"/>
-              <a:t>16/10/18</a:t>
+              <a:t>8/11/18</a:t>
             </a:fld>
             <a:endParaRPr lang="en-SG"/>
           </a:p>
@@ -461,7 +461,7 @@
           <a:p>
             <a:fld id="{03EC4E3E-8101-482F-A883-8B55DAFF7C07}" type="datetimeFigureOut">
               <a:rPr lang="en-SG" smtClean="0"/>
-              <a:t>16/10/18</a:t>
+              <a:t>8/11/18</a:t>
             </a:fld>
             <a:endParaRPr lang="en-SG"/>
           </a:p>
@@ -671,7 +671,7 @@
           <a:p>
             <a:fld id="{03EC4E3E-8101-482F-A883-8B55DAFF7C07}" type="datetimeFigureOut">
               <a:rPr lang="en-SG" smtClean="0"/>
-              <a:t>16/10/18</a:t>
+              <a:t>8/11/18</a:t>
             </a:fld>
             <a:endParaRPr lang="en-SG"/>
           </a:p>
@@ -871,7 +871,7 @@
           <a:p>
             <a:fld id="{03EC4E3E-8101-482F-A883-8B55DAFF7C07}" type="datetimeFigureOut">
               <a:rPr lang="en-SG" smtClean="0"/>
-              <a:t>16/10/18</a:t>
+              <a:t>8/11/18</a:t>
             </a:fld>
             <a:endParaRPr lang="en-SG"/>
           </a:p>
@@ -1147,7 +1147,7 @@
           <a:p>
             <a:fld id="{03EC4E3E-8101-482F-A883-8B55DAFF7C07}" type="datetimeFigureOut">
               <a:rPr lang="en-SG" smtClean="0"/>
-              <a:t>16/10/18</a:t>
+              <a:t>8/11/18</a:t>
             </a:fld>
             <a:endParaRPr lang="en-SG"/>
           </a:p>
@@ -1415,7 +1415,7 @@
           <a:p>
             <a:fld id="{03EC4E3E-8101-482F-A883-8B55DAFF7C07}" type="datetimeFigureOut">
               <a:rPr lang="en-SG" smtClean="0"/>
-              <a:t>16/10/18</a:t>
+              <a:t>8/11/18</a:t>
             </a:fld>
             <a:endParaRPr lang="en-SG"/>
           </a:p>
@@ -1830,7 +1830,7 @@
           <a:p>
             <a:fld id="{03EC4E3E-8101-482F-A883-8B55DAFF7C07}" type="datetimeFigureOut">
               <a:rPr lang="en-SG" smtClean="0"/>
-              <a:t>16/10/18</a:t>
+              <a:t>8/11/18</a:t>
             </a:fld>
             <a:endParaRPr lang="en-SG"/>
           </a:p>
@@ -1972,7 +1972,7 @@
           <a:p>
             <a:fld id="{03EC4E3E-8101-482F-A883-8B55DAFF7C07}" type="datetimeFigureOut">
               <a:rPr lang="en-SG" smtClean="0"/>
-              <a:t>16/10/18</a:t>
+              <a:t>8/11/18</a:t>
             </a:fld>
             <a:endParaRPr lang="en-SG"/>
           </a:p>
@@ -2085,7 +2085,7 @@
           <a:p>
             <a:fld id="{03EC4E3E-8101-482F-A883-8B55DAFF7C07}" type="datetimeFigureOut">
               <a:rPr lang="en-SG" smtClean="0"/>
-              <a:t>16/10/18</a:t>
+              <a:t>8/11/18</a:t>
             </a:fld>
             <a:endParaRPr lang="en-SG"/>
           </a:p>
@@ -2398,7 +2398,7 @@
           <a:p>
             <a:fld id="{03EC4E3E-8101-482F-A883-8B55DAFF7C07}" type="datetimeFigureOut">
               <a:rPr lang="en-SG" smtClean="0"/>
-              <a:t>16/10/18</a:t>
+              <a:t>8/11/18</a:t>
             </a:fld>
             <a:endParaRPr lang="en-SG"/>
           </a:p>
@@ -2687,7 +2687,7 @@
           <a:p>
             <a:fld id="{03EC4E3E-8101-482F-A883-8B55DAFF7C07}" type="datetimeFigureOut">
               <a:rPr lang="en-SG" smtClean="0"/>
-              <a:t>16/10/18</a:t>
+              <a:t>8/11/18</a:t>
             </a:fld>
             <a:endParaRPr lang="en-SG"/>
           </a:p>
@@ -2930,7 +2930,7 @@
           <a:p>
             <a:fld id="{03EC4E3E-8101-482F-A883-8B55DAFF7C07}" type="datetimeFigureOut">
               <a:rPr lang="en-SG" smtClean="0"/>
-              <a:t>16/10/18</a:t>
+              <a:t>8/11/18</a:t>
             </a:fld>
             <a:endParaRPr lang="en-SG"/>
           </a:p>
@@ -3349,10 +3349,10 @@
       </p:grpSpPr>
       <p:sp>
         <p:nvSpPr>
-          <p:cNvPr id="7" name="Rectangle 6">
-            <a:extLst>
-              <a:ext uri="{FF2B5EF4-FFF2-40B4-BE49-F238E27FC236}">
-                <a16:creationId xmlns:a16="http://schemas.microsoft.com/office/drawing/2014/main" id="{178DAF94-8485-F54E-9801-738F776B7CB3}"/>
+          <p:cNvPr id="11" name="Rectangle 10">
+            <a:extLst>
+              <a:ext uri="{FF2B5EF4-FFF2-40B4-BE49-F238E27FC236}">
+                <a16:creationId xmlns:a16="http://schemas.microsoft.com/office/drawing/2014/main" id="{FE431525-3A67-614D-8CEB-4FF71093D0CD}"/>
               </a:ext>
             </a:extLst>
           </p:cNvPr>
@@ -3361,8 +3361,8 @@
         </p:nvSpPr>
         <p:spPr>
           <a:xfrm>
-            <a:off x="529554" y="557862"/>
-            <a:ext cx="11364686" cy="618187"/>
+            <a:off x="1400157" y="959858"/>
+            <a:ext cx="9391686" cy="618187"/>
           </a:xfrm>
           <a:prstGeom prst="rect">
             <a:avLst/>
@@ -3401,10 +3401,10 @@
       </p:sp>
       <p:sp>
         <p:nvSpPr>
-          <p:cNvPr id="3" name="Down Arrow 2">
-            <a:extLst>
-              <a:ext uri="{FF2B5EF4-FFF2-40B4-BE49-F238E27FC236}">
-                <a16:creationId xmlns:a16="http://schemas.microsoft.com/office/drawing/2014/main" id="{32E0F71A-E3F7-2349-BB8F-DFAB9A2B3CCD}"/>
+          <p:cNvPr id="13" name="Down Arrow 12">
+            <a:extLst>
+              <a:ext uri="{FF2B5EF4-FFF2-40B4-BE49-F238E27FC236}">
+                <a16:creationId xmlns:a16="http://schemas.microsoft.com/office/drawing/2014/main" id="{EDA15BED-30A7-4947-96FE-9F7D85E00F64}"/>
               </a:ext>
             </a:extLst>
           </p:cNvPr>
@@ -3413,7 +3413,7 @@
         </p:nvSpPr>
         <p:spPr>
           <a:xfrm>
-            <a:off x="5249540" y="1602707"/>
+            <a:off x="4767913" y="1677416"/>
             <a:ext cx="1989460" cy="1549831"/>
           </a:xfrm>
           <a:prstGeom prst="downArrow">
@@ -3450,10 +3450,10 @@
       </p:sp>
       <p:sp>
         <p:nvSpPr>
-          <p:cNvPr id="9" name="Rectangle 8">
-            <a:extLst>
-              <a:ext uri="{FF2B5EF4-FFF2-40B4-BE49-F238E27FC236}">
-                <a16:creationId xmlns:a16="http://schemas.microsoft.com/office/drawing/2014/main" id="{3111C0ED-D4B6-FF40-8A3A-B2F13D011E28}"/>
+          <p:cNvPr id="14" name="Rectangle 13">
+            <a:extLst>
+              <a:ext uri="{FF2B5EF4-FFF2-40B4-BE49-F238E27FC236}">
+                <a16:creationId xmlns:a16="http://schemas.microsoft.com/office/drawing/2014/main" id="{E4A78260-50A0-084F-BFCF-DFC6C8186ECA}"/>
               </a:ext>
             </a:extLst>
           </p:cNvPr>
@@ -3462,8 +3462,8 @@
         </p:nvSpPr>
         <p:spPr>
           <a:xfrm>
-            <a:off x="529554" y="3579196"/>
-            <a:ext cx="11364686" cy="618187"/>
+            <a:off x="1400157" y="3310632"/>
+            <a:ext cx="9391686" cy="618187"/>
           </a:xfrm>
           <a:prstGeom prst="rect">
             <a:avLst/>
@@ -3502,10 +3502,10 @@
       </p:sp>
       <p:graphicFrame>
         <p:nvGraphicFramePr>
-          <p:cNvPr id="10" name="Table 9">
-            <a:extLst>
-              <a:ext uri="{FF2B5EF4-FFF2-40B4-BE49-F238E27FC236}">
-                <a16:creationId xmlns:a16="http://schemas.microsoft.com/office/drawing/2014/main" id="{E95B8938-B6DA-9B48-9FAB-41ECBDDAAA11}"/>
+          <p:cNvPr id="15" name="Table 14">
+            <a:extLst>
+              <a:ext uri="{FF2B5EF4-FFF2-40B4-BE49-F238E27FC236}">
+                <a16:creationId xmlns:a16="http://schemas.microsoft.com/office/drawing/2014/main" id="{72C7502B-FE26-7C47-A494-8E93307CC31F}"/>
               </a:ext>
             </a:extLst>
           </p:cNvPr>
@@ -3515,13 +3515,13 @@
           <p:nvPr>
             <p:extLst>
               <p:ext uri="{D42A27DB-BD31-4B8C-83A1-F6EECF244321}">
-                <p14:modId xmlns:p14="http://schemas.microsoft.com/office/powerpoint/2010/main" val="679148686"/>
+                <p14:modId xmlns:p14="http://schemas.microsoft.com/office/powerpoint/2010/main" val="1631224795"/>
               </p:ext>
             </p:extLst>
           </p:nvPr>
         </p:nvGraphicFramePr>
         <p:xfrm>
-          <a:off x="638040" y="660641"/>
+          <a:off x="1508643" y="1062637"/>
           <a:ext cx="1438731" cy="417888"/>
         </p:xfrm>
         <a:graphic>
@@ -3570,10 +3570,10 @@
       </p:graphicFrame>
       <p:graphicFrame>
         <p:nvGraphicFramePr>
-          <p:cNvPr id="12" name="Table 11">
-            <a:extLst>
-              <a:ext uri="{FF2B5EF4-FFF2-40B4-BE49-F238E27FC236}">
-                <a16:creationId xmlns:a16="http://schemas.microsoft.com/office/drawing/2014/main" id="{EA846052-5403-2B4D-9CB6-72ECEC2595C2}"/>
+          <p:cNvPr id="16" name="Table 15">
+            <a:extLst>
+              <a:ext uri="{FF2B5EF4-FFF2-40B4-BE49-F238E27FC236}">
+                <a16:creationId xmlns:a16="http://schemas.microsoft.com/office/drawing/2014/main" id="{2897B588-F4B7-A54B-8EC7-C1DD04D53514}"/>
               </a:ext>
             </a:extLst>
           </p:cNvPr>
@@ -3583,13 +3583,13 @@
           <p:nvPr>
             <p:extLst>
               <p:ext uri="{D42A27DB-BD31-4B8C-83A1-F6EECF244321}">
-                <p14:modId xmlns:p14="http://schemas.microsoft.com/office/powerpoint/2010/main" val="1442408710"/>
+                <p14:modId xmlns:p14="http://schemas.microsoft.com/office/powerpoint/2010/main" val="264204865"/>
               </p:ext>
             </p:extLst>
           </p:nvPr>
         </p:nvGraphicFramePr>
         <p:xfrm>
-          <a:off x="2417761" y="660641"/>
+          <a:off x="3329182" y="1068709"/>
           <a:ext cx="1438731" cy="417888"/>
         </p:xfrm>
         <a:graphic>
@@ -3636,6 +3636,56 @@
           </a:graphicData>
         </a:graphic>
       </p:graphicFrame>
+      <p:sp>
+        <p:nvSpPr>
+          <p:cNvPr id="18" name="Rectangle 17">
+            <a:extLst>
+              <a:ext uri="{FF2B5EF4-FFF2-40B4-BE49-F238E27FC236}">
+                <a16:creationId xmlns:a16="http://schemas.microsoft.com/office/drawing/2014/main" id="{01891FC0-FCF1-D44D-B491-A0FD07B71AC4}"/>
+              </a:ext>
+            </a:extLst>
+          </p:cNvPr>
+          <p:cNvSpPr/>
+          <p:nvPr/>
+        </p:nvSpPr>
+        <p:spPr>
+          <a:xfrm>
+            <a:off x="1257300" y="814031"/>
+            <a:ext cx="9677400" cy="3276600"/>
+          </a:xfrm>
+          <a:prstGeom prst="rect">
+            <a:avLst/>
+          </a:prstGeom>
+          <a:noFill/>
+          <a:ln>
+            <a:noFill/>
+          </a:ln>
+        </p:spPr>
+        <p:style>
+          <a:lnRef idx="2">
+            <a:schemeClr val="accent1">
+              <a:shade val="50000"/>
+            </a:schemeClr>
+          </a:lnRef>
+          <a:fillRef idx="1">
+            <a:schemeClr val="accent1"/>
+          </a:fillRef>
+          <a:effectRef idx="0">
+            <a:schemeClr val="accent1"/>
+          </a:effectRef>
+          <a:fontRef idx="minor">
+            <a:schemeClr val="lt1"/>
+          </a:fontRef>
+        </p:style>
+        <p:txBody>
+          <a:bodyPr rtlCol="0" anchor="ctr"/>
+          <a:lstStyle/>
+          <a:p>
+            <a:pPr algn="ctr"/>
+            <a:endParaRPr lang="en-US"/>
+          </a:p>
+        </p:txBody>
+      </p:sp>
     </p:spTree>
     <p:extLst>
       <p:ext uri="{BB962C8B-B14F-4D97-AF65-F5344CB8AC3E}">
